--- a/reports/SensorManagementProject.pptx
+++ b/reports/SensorManagementProject.pptx
@@ -4347,13 +4347,7 @@
       </p:sp>
       <p:pic>
         <p:nvPicPr>
-          <p:cNvPr id="7" name="Content Placeholder 6">
-            <a:extLst>
-              <a:ext uri="{FF2B5EF4-FFF2-40B4-BE49-F238E27FC236}">
-                <a16:creationId xmlns:a16="http://schemas.microsoft.com/office/drawing/2014/main" id="{BE39C88F-DC4D-45D6-ADD2-7912CCB74604}"/>
-              </a:ext>
-            </a:extLst>
-          </p:cNvPr>
+          <p:cNvPr id="4" name="Content Placeholder 3"/>
           <p:cNvPicPr>
             <a:picLocks noGrp="1" noChangeAspect="1"/>
           </p:cNvPicPr>
@@ -4369,38 +4363,8 @@
         </p:blipFill>
         <p:spPr>
           <a:xfrm>
-            <a:off x="3178490" y="1812937"/>
-            <a:ext cx="5895975" cy="2162175"/>
-          </a:xfrm>
-          <a:prstGeom prst="rect">
-            <a:avLst/>
-          </a:prstGeom>
-        </p:spPr>
-      </p:pic>
-      <p:pic>
-        <p:nvPicPr>
-          <p:cNvPr id="8" name="Picture 7">
-            <a:extLst>
-              <a:ext uri="{FF2B5EF4-FFF2-40B4-BE49-F238E27FC236}">
-                <a16:creationId xmlns:a16="http://schemas.microsoft.com/office/drawing/2014/main" id="{AEF8099A-9E9E-41CE-8F8E-29AA3F57ABA2}"/>
-              </a:ext>
-            </a:extLst>
-          </p:cNvPr>
-          <p:cNvPicPr>
-            <a:picLocks noChangeAspect="1"/>
-          </p:cNvPicPr>
-          <p:nvPr/>
-        </p:nvPicPr>
-        <p:blipFill>
-          <a:blip r:embed="rId3"/>
-          <a:stretch>
-            <a:fillRect/>
-          </a:stretch>
-        </p:blipFill>
-        <p:spPr>
-          <a:xfrm>
-            <a:off x="3226114" y="3975112"/>
-            <a:ext cx="5800725" cy="2343150"/>
+            <a:off x="3496385" y="1737360"/>
+            <a:ext cx="5260189" cy="4272164"/>
           </a:xfrm>
           <a:prstGeom prst="rect">
             <a:avLst/>
@@ -4587,8 +4551,37 @@
               <a:rPr lang="en-US" dirty="0">
                 <a:sym typeface="Wingdings" panose="05000000000000000000" pitchFamily="2" charset="2"/>
               </a:rPr>
-              <a:t> run 5 times for each radio</a:t>
-            </a:r>
+              <a:t> run 5 times for each </a:t>
+            </a:r>
+            <a:r>
+              <a:rPr lang="en-US" dirty="0" smtClean="0">
+                <a:sym typeface="Wingdings" panose="05000000000000000000" pitchFamily="2" charset="2"/>
+              </a:rPr>
+              <a:t>radio</a:t>
+            </a:r>
+          </a:p>
+          <a:p>
+            <a:r>
+              <a:rPr lang="en-US" dirty="0" smtClean="0">
+                <a:sym typeface="Wingdings" panose="05000000000000000000" pitchFamily="2" charset="2"/>
+              </a:rPr>
+              <a:t> tried </a:t>
+            </a:r>
+            <a:r>
+              <a:rPr lang="en-US" dirty="0" err="1" smtClean="0">
+                <a:sym typeface="Wingdings" panose="05000000000000000000" pitchFamily="2" charset="2"/>
+              </a:rPr>
+              <a:t>timesynch</a:t>
+            </a:r>
+            <a:r>
+              <a:rPr lang="en-US" dirty="0" smtClean="0">
+                <a:sym typeface="Wingdings" panose="05000000000000000000" pitchFamily="2" charset="2"/>
+              </a:rPr>
+              <a:t>: not supported!</a:t>
+            </a:r>
+            <a:endParaRPr lang="en-US" dirty="0">
+              <a:sym typeface="Wingdings" panose="05000000000000000000" pitchFamily="2" charset="2"/>
+            </a:endParaRPr>
           </a:p>
           <a:p>
             <a:r>
@@ -4601,13 +4594,7 @@
               <a:rPr lang="en-US" dirty="0" smtClean="0">
                 <a:sym typeface="Wingdings" panose="05000000000000000000" pitchFamily="2" charset="2"/>
               </a:rPr>
-              <a:t>modified </a:t>
-            </a:r>
-            <a:r>
-              <a:rPr lang="en-US" dirty="0" smtClean="0">
-                <a:sym typeface="Wingdings" panose="05000000000000000000" pitchFamily="2" charset="2"/>
-              </a:rPr>
-              <a:t>timestamp </a:t>
+              <a:t>modified timestamp </a:t>
             </a:r>
             <a:r>
               <a:rPr lang="en-US" dirty="0">
@@ -5209,14 +5196,14 @@
             <p:ph idx="1"/>
             <p:extLst>
               <p:ext uri="{D42A27DB-BD31-4B8C-83A1-F6EECF244321}">
-                <p14:modId xmlns:p14="http://schemas.microsoft.com/office/powerpoint/2010/main" val="2551929642"/>
+                <p14:modId xmlns:p14="http://schemas.microsoft.com/office/powerpoint/2010/main" val="3441106168"/>
               </p:ext>
             </p:extLst>
           </p:nvPr>
         </p:nvGraphicFramePr>
         <p:xfrm>
           <a:off x="1096963" y="1846263"/>
-          <a:ext cx="10058400" cy="3657600"/>
+          <a:ext cx="10058400" cy="3383280"/>
         </p:xfrm>
         <a:graphic>
           <a:graphicData uri="http://schemas.openxmlformats.org/drawingml/2006/table">
@@ -5272,19 +5259,9 @@
                       </a:r>
                     </a:p>
                     <a:p>
-                      <a:pPr marL="285750" indent="-285750">
+                      <a:pPr marL="0" indent="0">
                         <a:buFont typeface="Arial" panose="020B0604020202020204" pitchFamily="34" charset="0"/>
-                        <a:buChar char="•"/>
-                      </a:pPr>
-                      <a:r>
-                        <a:rPr lang="en-US" dirty="0"/>
-                        <a:t>Less propagation</a:t>
-                      </a:r>
-                    </a:p>
-                    <a:p>
-                      <a:pPr marL="285750" indent="-285750">
-                        <a:buFont typeface="Arial" panose="020B0604020202020204" pitchFamily="34" charset="0"/>
-                        <a:buChar char="•"/>
+                        <a:buNone/>
                       </a:pPr>
                       <a:endParaRPr lang="en-US" dirty="0"/>
                     </a:p>
@@ -5367,15 +5344,6 @@
                       <a:endParaRPr lang="en-US" dirty="0"/>
                     </a:p>
                     <a:p>
-                      <a:r>
-                        <a:rPr lang="en-US" dirty="0">
-                          <a:sym typeface="Wingdings" panose="05000000000000000000" pitchFamily="2" charset="2"/>
-                        </a:rPr>
-                        <a:t> Good potential!</a:t>
-                      </a:r>
-                      <a:endParaRPr lang="en-US" dirty="0"/>
-                    </a:p>
-                    <a:p>
                       <a:endParaRPr lang="en-US" dirty="0"/>
                     </a:p>
                     <a:p>
@@ -5502,8 +5470,11 @@
               <a:rPr lang="en-US" dirty="0">
                 <a:sym typeface="Wingdings" panose="05000000000000000000" pitchFamily="2" charset="2"/>
               </a:rPr>
-              <a:t> PDR 100% because of high delay between packages (1 second) and acks</a:t>
-            </a:r>
+              <a:t> PDR 100% because of high delay between packages (1 second) </a:t>
+            </a:r>
+            <a:endParaRPr lang="en-US" dirty="0" smtClean="0">
+              <a:sym typeface="Wingdings" panose="05000000000000000000" pitchFamily="2" charset="2"/>
+            </a:endParaRPr>
           </a:p>
           <a:p>
             <a:pPr>
@@ -5511,10 +5482,16 @@
               <a:buChar char="Ø"/>
             </a:pPr>
             <a:r>
+              <a:rPr lang="en-US" dirty="0" smtClean="0">
+                <a:sym typeface="Wingdings" panose="05000000000000000000" pitchFamily="2" charset="2"/>
+              </a:rPr>
+              <a:t>Power </a:t>
+            </a:r>
+            <a:r>
               <a:rPr lang="en-US" dirty="0">
                 <a:sym typeface="Wingdings" panose="05000000000000000000" pitchFamily="2" charset="2"/>
               </a:rPr>
-              <a:t> Power Consumption inconclusive, but same order of </a:t>
+              <a:t>Consumption inconclusive, but same order of </a:t>
             </a:r>
             <a:r>
               <a:rPr lang="en-US" dirty="0" smtClean="0">
@@ -6508,13 +6485,7 @@
               <a:rPr lang="en-US" sz="1700" dirty="0" err="1" smtClean="0">
                 <a:sym typeface="Wingdings" panose="05000000000000000000" pitchFamily="2" charset="2"/>
               </a:rPr>
-              <a:t>mW</a:t>
-            </a:r>
-            <a:r>
-              <a:rPr lang="en-US" sz="1700" dirty="0" err="1" smtClean="0">
-                <a:sym typeface="Wingdings" panose="05000000000000000000" pitchFamily="2" charset="2"/>
-              </a:rPr>
-              <a:t>h</a:t>
+              <a:t>mWh</a:t>
             </a:r>
             <a:endParaRPr lang="en-US" sz="1700" dirty="0">
               <a:sym typeface="Wingdings" panose="05000000000000000000" pitchFamily="2" charset="2"/>

--- a/reports/SensorManagementProject.pptx
+++ b/reports/SensorManagementProject.pptx
@@ -5196,14 +5196,14 @@
             <p:ph idx="1"/>
             <p:extLst>
               <p:ext uri="{D42A27DB-BD31-4B8C-83A1-F6EECF244321}">
-                <p14:modId xmlns:p14="http://schemas.microsoft.com/office/powerpoint/2010/main" val="3441106168"/>
+                <p14:modId xmlns:p14="http://schemas.microsoft.com/office/powerpoint/2010/main" val="459917140"/>
               </p:ext>
             </p:extLst>
           </p:nvPr>
         </p:nvGraphicFramePr>
         <p:xfrm>
           <a:off x="1096963" y="1846263"/>
-          <a:ext cx="10058400" cy="3383280"/>
+          <a:ext cx="10058400" cy="3657600"/>
         </p:xfrm>
         <a:graphic>
           <a:graphicData uri="http://schemas.openxmlformats.org/drawingml/2006/table">
@@ -5298,9 +5298,18 @@
                         <a:buChar char="•"/>
                       </a:pPr>
                       <a:r>
-                        <a:rPr lang="en-US" dirty="0"/>
-                        <a:t>Less commonly used</a:t>
+                        <a:rPr lang="en-US" dirty="0" smtClean="0"/>
+                        <a:t>Often</a:t>
                       </a:r>
+                      <a:r>
+                        <a:rPr lang="en-US" baseline="0" dirty="0" smtClean="0"/>
+                        <a:t> used in </a:t>
+                      </a:r>
+                      <a:r>
+                        <a:rPr lang="en-US" baseline="0" dirty="0" err="1" smtClean="0"/>
+                        <a:t>IoT</a:t>
+                      </a:r>
+                      <a:endParaRPr lang="en-US" dirty="0"/>
                     </a:p>
                     <a:p>
                       <a:pPr marL="285750" indent="-285750">
@@ -5319,8 +5328,27 @@
                       </a:pPr>
                       <a:r>
                         <a:rPr lang="en-US" dirty="0"/>
-                        <a:t>Better propagation</a:t>
+                        <a:t>Better </a:t>
                       </a:r>
+                      <a:r>
+                        <a:rPr lang="en-US" dirty="0" smtClean="0"/>
+                        <a:t>propagation</a:t>
+                      </a:r>
+                    </a:p>
+                    <a:p>
+                      <a:pPr marL="285750" indent="-285750">
+                        <a:buFont typeface="Arial" panose="020B0604020202020204" pitchFamily="34" charset="0"/>
+                        <a:buChar char="•"/>
+                      </a:pPr>
+                      <a:r>
+                        <a:rPr lang="en-US" smtClean="0"/>
+                        <a:t>Longer</a:t>
+                      </a:r>
+                      <a:r>
+                        <a:rPr lang="en-US" baseline="0" smtClean="0"/>
+                        <a:t> ranges</a:t>
+                      </a:r>
+                      <a:endParaRPr lang="en-US" dirty="0"/>
                     </a:p>
                     <a:p>
                       <a:pPr marL="285750" indent="-285750">
@@ -5617,7 +5645,7 @@
         </p:nvSpPr>
         <p:spPr>
           <a:xfrm>
-            <a:off x="1019908" y="3314700"/>
+            <a:off x="1003433" y="3273511"/>
             <a:ext cx="10735408" cy="2554394"/>
           </a:xfrm>
         </p:spPr>
@@ -5628,11 +5656,11 @@
           <a:lstStyle/>
           <a:p>
             <a:r>
-              <a:rPr lang="en-US" dirty="0"/>
-              <a:t>Compare </a:t>
-            </a:r>
-            <a:r>
-              <a:rPr lang="en-US" sz="2800" dirty="0">
+              <a:rPr lang="en-US" dirty="0" smtClean="0"/>
+              <a:t>Compare unicast </a:t>
+            </a:r>
+            <a:r>
+              <a:rPr lang="en-US" dirty="0" smtClean="0">
                 <a:solidFill>
                   <a:schemeClr val="accent1">
                     <a:lumMod val="75000"/>
@@ -5646,7 +5674,7 @@
               <a:t>, </a:t>
             </a:r>
             <a:r>
-              <a:rPr lang="en-US" sz="2800" dirty="0">
+              <a:rPr lang="en-US" dirty="0">
                 <a:solidFill>
                   <a:schemeClr val="accent1">
                     <a:lumMod val="75000"/>
@@ -5660,16 +5688,6 @@
               <a:t> and </a:t>
             </a:r>
             <a:r>
-              <a:rPr lang="en-US" sz="2800" dirty="0">
-                <a:solidFill>
-                  <a:schemeClr val="accent1">
-                    <a:lumMod val="75000"/>
-                  </a:schemeClr>
-                </a:solidFill>
-              </a:rPr>
-              <a:t>Power</a:t>
-            </a:r>
-            <a:r>
               <a:rPr lang="en-US" dirty="0">
                 <a:solidFill>
                   <a:schemeClr val="accent1">
@@ -5677,32 +5695,19 @@
                   </a:schemeClr>
                 </a:solidFill>
               </a:rPr>
-              <a:t> </a:t>
-            </a:r>
-            <a:r>
-              <a:rPr lang="en-US" sz="2800" dirty="0">
-                <a:solidFill>
-                  <a:schemeClr val="accent1">
-                    <a:lumMod val="75000"/>
-                  </a:schemeClr>
-                </a:solidFill>
-              </a:rPr>
-              <a:t>Consumption</a:t>
-            </a:r>
-            <a:r>
-              <a:rPr lang="en-US" dirty="0">
-                <a:solidFill>
-                  <a:schemeClr val="accent1">
-                    <a:lumMod val="75000"/>
-                  </a:schemeClr>
-                </a:solidFill>
-              </a:rPr>
-              <a:t> </a:t>
+              <a:t>Power Consumption </a:t>
             </a:r>
             <a:r>
               <a:rPr lang="en-US" dirty="0"/>
-              <a:t>of 2.4 GHz and 868 MHz bands</a:t>
-            </a:r>
+              <a:t>of 2.4 GHz and 868 MHz </a:t>
+            </a:r>
+            <a:r>
+              <a:rPr lang="en-US" dirty="0" smtClean="0"/>
+              <a:t>bands</a:t>
+            </a:r>
+          </a:p>
+          <a:p>
+            <a:endParaRPr lang="en-US" dirty="0"/>
           </a:p>
         </p:txBody>
       </p:sp>
@@ -5782,15 +5787,25 @@
         </p:nvSpPr>
         <p:spPr/>
         <p:txBody>
-          <a:bodyPr/>
+          <a:bodyPr>
+            <a:normAutofit/>
+          </a:bodyPr>
           <a:lstStyle/>
           <a:p>
             <a:pPr marL="0" indent="0">
               <a:buNone/>
             </a:pPr>
             <a:r>
+              <a:rPr lang="en-US" dirty="0" err="1" smtClean="0"/>
+              <a:t>Zoul</a:t>
+            </a:r>
+            <a:r>
+              <a:rPr lang="en-US" dirty="0" smtClean="0"/>
+              <a:t> Mote Radios</a:t>
+            </a:r>
+            <a:r>
               <a:rPr lang="en-US" dirty="0"/>
-              <a:t>Radios:</a:t>
+              <a:t>:</a:t>
             </a:r>
           </a:p>
           <a:p>
